--- a/student_lessons/A_Setup_Intro_Basics/Day1_live_C.pptx
+++ b/student_lessons/A_Setup_Intro_Basics/Day1_live_C.pptx
@@ -234,7 +234,7 @@
           <a:p>
             <a:fld id="{B0C0A60C-850A-4EA4-9C14-A8FE98B94505}" type="datetimeFigureOut">
               <a:rPr lang="en-US" smtClean="0"/>
-              <a:t>12/17/20</a:t>
+              <a:t>6/10/21</a:t>
             </a:fld>
             <a:endParaRPr lang="en-US"/>
           </a:p>
@@ -633,7 +633,7 @@
           <a:p>
             <a:fld id="{5738B90E-0779-4C36-915C-6F05FCD89456}" type="datetime1">
               <a:rPr lang="en-US" smtClean="0"/>
-              <a:t>12/17/20</a:t>
+              <a:t>6/10/21</a:t>
             </a:fld>
             <a:endParaRPr lang="en-US"/>
           </a:p>
@@ -813,7 +813,7 @@
           <a:p>
             <a:fld id="{7B9EA29D-D431-42FE-B7B6-AAE4454C77D3}" type="datetime1">
               <a:rPr lang="en-US" smtClean="0"/>
-              <a:t>12/17/20</a:t>
+              <a:t>6/10/21</a:t>
             </a:fld>
             <a:endParaRPr lang="en-US"/>
           </a:p>
@@ -1070,7 +1070,7 @@
           <a:p>
             <a:fld id="{690D8A1E-EA8F-46C1-B891-AE0C00D9C314}" type="datetime1">
               <a:rPr lang="en-US" smtClean="0"/>
-              <a:t>12/17/20</a:t>
+              <a:t>6/10/21</a:t>
             </a:fld>
             <a:endParaRPr lang="en-US"/>
           </a:p>
@@ -1361,7 +1361,7 @@
           <a:p>
             <a:fld id="{D753EFC8-4232-4598-94F6-94C0EBAFC469}" type="datetime1">
               <a:rPr lang="en-US" smtClean="0"/>
-              <a:t>12/17/20</a:t>
+              <a:t>6/10/21</a:t>
             </a:fld>
             <a:endParaRPr lang="en-US"/>
           </a:p>
@@ -1673,7 +1673,7 @@
           <a:p>
             <a:fld id="{F3161074-1C18-4AE7-957D-F18524378C85}" type="datetime1">
               <a:rPr lang="en-US" smtClean="0"/>
-              <a:t>12/17/20</a:t>
+              <a:t>6/10/21</a:t>
             </a:fld>
             <a:endParaRPr lang="en-US"/>
           </a:p>
@@ -1909,7 +1909,7 @@
           <a:p>
             <a:fld id="{69BE256C-8D9A-4404-B47D-41A1AE514425}" type="datetime1">
               <a:rPr lang="en-US" smtClean="0"/>
-              <a:t>12/17/20</a:t>
+              <a:t>6/10/21</a:t>
             </a:fld>
             <a:endParaRPr lang="en-US"/>
           </a:p>
@@ -2340,7 +2340,7 @@
           <a:p>
             <a:fld id="{66CB2154-9035-4012-8189-BAAB61C5A5EE}" type="datetime1">
               <a:rPr lang="en-US" smtClean="0"/>
-              <a:t>12/17/20</a:t>
+              <a:t>6/10/21</a:t>
             </a:fld>
             <a:endParaRPr lang="en-US"/>
           </a:p>
@@ -2511,7 +2511,7 @@
           <a:p>
             <a:fld id="{6700A58B-DD98-43D0-B791-721480A02982}" type="datetime1">
               <a:rPr lang="en-US" smtClean="0"/>
-              <a:t>12/17/20</a:t>
+              <a:t>6/10/21</a:t>
             </a:fld>
             <a:endParaRPr lang="en-US"/>
           </a:p>
@@ -2700,7 +2700,7 @@
           <a:p>
             <a:fld id="{7DB6E382-4F61-4E24-BE1A-377EC83D0E3A}" type="datetime1">
               <a:rPr lang="en-US" smtClean="0"/>
-              <a:t>12/17/20</a:t>
+              <a:t>6/10/21</a:t>
             </a:fld>
             <a:endParaRPr lang="en-US"/>
           </a:p>
@@ -3008,7 +3008,7 @@
           <a:p>
             <a:fld id="{4142EED6-FC16-45B9-B8C4-2BC5DBA88325}" type="datetime1">
               <a:rPr lang="en-US" smtClean="0"/>
-              <a:t>12/17/20</a:t>
+              <a:t>6/10/21</a:t>
             </a:fld>
             <a:endParaRPr lang="en-US"/>
           </a:p>
@@ -3323,7 +3323,7 @@
           <a:p>
             <a:fld id="{DF59512B-4F1D-43D7-8819-2F53FEF69650}" type="datetime1">
               <a:rPr lang="en-US" smtClean="0"/>
-              <a:t>12/17/20</a:t>
+              <a:t>6/10/21</a:t>
             </a:fld>
             <a:endParaRPr lang="en-US"/>
           </a:p>
@@ -3596,7 +3596,7 @@
           <a:p>
             <a:fld id="{08437B94-E2BF-44DC-ADC5-B05FC9934E9D}" type="datetime1">
               <a:rPr lang="en-US" smtClean="0"/>
-              <a:t>12/17/20</a:t>
+              <a:t>6/10/21</a:t>
             </a:fld>
             <a:endParaRPr lang="en-US"/>
           </a:p>
@@ -4068,7 +4068,7 @@
           <a:p>
             <a:fld id="{6700A58B-DD98-43D0-B791-721480A02982}" type="datetime1">
               <a:rPr lang="en-US" smtClean="0"/>
-              <a:t>12/17/20</a:t>
+              <a:t>6/10/21</a:t>
             </a:fld>
             <a:endParaRPr lang="en-US"/>
           </a:p>
@@ -4343,7 +4343,7 @@
           <a:p>
             <a:fld id="{6700A58B-DD98-43D0-B791-721480A02982}" type="datetime1">
               <a:rPr lang="en-US" smtClean="0"/>
-              <a:t>12/17/20</a:t>
+              <a:t>6/10/21</a:t>
             </a:fld>
             <a:endParaRPr lang="en-US"/>
           </a:p>
@@ -5066,7 +5066,7 @@
           <a:p>
             <a:fld id="{6700A58B-DD98-43D0-B791-721480A02982}" type="datetime1">
               <a:rPr lang="en-US" smtClean="0"/>
-              <a:t>12/17/20</a:t>
+              <a:t>6/10/21</a:t>
             </a:fld>
             <a:endParaRPr lang="en-US"/>
           </a:p>
@@ -5920,7 +5920,7 @@
           <a:p>
             <a:fld id="{7DB6E382-4F61-4E24-BE1A-377EC83D0E3A}" type="datetime1">
               <a:rPr lang="en-US" smtClean="0"/>
-              <a:t>12/17/20</a:t>
+              <a:t>6/10/21</a:t>
             </a:fld>
             <a:endParaRPr lang="en-US"/>
           </a:p>
@@ -6526,7 +6526,7 @@
           <a:p>
             <a:fld id="{6700A58B-DD98-43D0-B791-721480A02982}" type="datetime1">
               <a:rPr lang="en-US" smtClean="0"/>
-              <a:t>12/17/20</a:t>
+              <a:t>6/10/21</a:t>
             </a:fld>
             <a:endParaRPr lang="en-US"/>
           </a:p>
@@ -6928,7 +6928,7 @@
           <a:p>
             <a:fld id="{6700A58B-DD98-43D0-B791-721480A02982}" type="datetime1">
               <a:rPr lang="en-US" smtClean="0"/>
-              <a:t>12/17/20</a:t>
+              <a:t>6/10/21</a:t>
             </a:fld>
             <a:endParaRPr lang="en-US"/>
           </a:p>
@@ -7550,7 +7550,7 @@
           <a:p>
             <a:fld id="{6700A58B-DD98-43D0-B791-721480A02982}" type="datetime1">
               <a:rPr lang="en-US" smtClean="0"/>
-              <a:t>12/17/20</a:t>
+              <a:t>6/10/21</a:t>
             </a:fld>
             <a:endParaRPr lang="en-US"/>
           </a:p>
@@ -9012,7 +9012,7 @@
           <a:p>
             <a:fld id="{6700A58B-DD98-43D0-B791-721480A02982}" type="datetime1">
               <a:rPr lang="en-US" smtClean="0"/>
-              <a:t>12/17/20</a:t>
+              <a:t>6/10/21</a:t>
             </a:fld>
             <a:endParaRPr lang="en-US"/>
           </a:p>
@@ -11940,7 +11940,7 @@
           <a:p>
             <a:fld id="{6700A58B-DD98-43D0-B791-721480A02982}" type="datetime1">
               <a:rPr lang="en-US" smtClean="0"/>
-              <a:t>12/17/20</a:t>
+              <a:t>6/10/21</a:t>
             </a:fld>
             <a:endParaRPr lang="en-US"/>
           </a:p>
@@ -13573,7 +13573,7 @@
           <a:p>
             <a:fld id="{6700A58B-DD98-43D0-B791-721480A02982}" type="datetime1">
               <a:rPr lang="en-US" smtClean="0"/>
-              <a:t>12/17/20</a:t>
+              <a:t>6/10/21</a:t>
             </a:fld>
             <a:endParaRPr lang="en-US"/>
           </a:p>
@@ -16939,7 +16939,7 @@
           <a:p>
             <a:fld id="{6700A58B-DD98-43D0-B791-721480A02982}" type="datetime1">
               <a:rPr lang="en-US" smtClean="0"/>
-              <a:t>12/17/20</a:t>
+              <a:t>6/10/21</a:t>
             </a:fld>
             <a:endParaRPr lang="en-US"/>
           </a:p>
@@ -18931,7 +18931,7 @@
           <a:p>
             <a:fld id="{6700A58B-DD98-43D0-B791-721480A02982}" type="datetime1">
               <a:rPr lang="en-US" smtClean="0"/>
-              <a:t>12/17/20</a:t>
+              <a:t>6/10/21</a:t>
             </a:fld>
             <a:endParaRPr lang="en-US"/>
           </a:p>
@@ -19790,7 +19790,7 @@
           <a:p>
             <a:fld id="{6700A58B-DD98-43D0-B791-721480A02982}" type="datetime1">
               <a:rPr lang="en-US" smtClean="0"/>
-              <a:t>12/17/20</a:t>
+              <a:t>6/10/21</a:t>
             </a:fld>
             <a:endParaRPr lang="en-US"/>
           </a:p>
@@ -20230,7 +20230,7 @@
           <a:p>
             <a:fld id="{6700A58B-DD98-43D0-B791-721480A02982}" type="datetime1">
               <a:rPr lang="en-US" smtClean="0"/>
-              <a:t>12/17/20</a:t>
+              <a:t>6/10/21</a:t>
             </a:fld>
             <a:endParaRPr lang="en-US"/>
           </a:p>
@@ -20313,7 +20313,7 @@
         <p:spPr>
           <a:xfrm>
             <a:off x="717099" y="2413338"/>
-            <a:ext cx="3902800" cy="923330"/>
+            <a:ext cx="6839180" cy="2031325"/>
           </a:xfrm>
           <a:prstGeom prst="rect">
             <a:avLst/>
@@ -20351,6 +20351,50 @@
             <a:r>
               <a:rPr lang="en-US" dirty="0"/>
               <a:t>﻿Complete: Day1_HW_Student.R</a:t>
+            </a:r>
+          </a:p>
+          <a:p>
+            <a:pPr marL="742950" lvl="1" indent="-285750">
+              <a:buFont typeface="Arial" panose="020B0604020202020204" pitchFamily="34" charset="0"/>
+              <a:buChar char="•"/>
+            </a:pPr>
+            <a:endParaRPr lang="en-US" dirty="0"/>
+          </a:p>
+          <a:p>
+            <a:pPr marL="742950" lvl="1" indent="-285750">
+              <a:buFont typeface="Arial" panose="020B0604020202020204" pitchFamily="34" charset="0"/>
+              <a:buChar char="•"/>
+            </a:pPr>
+            <a:r>
+              <a:rPr lang="en-US" dirty="0"/>
+              <a:t>EMAIL YOUR R SCRIPT TO </a:t>
+            </a:r>
+            <a:r>
+              <a:rPr lang="en-US" dirty="0">
+                <a:hlinkClick r:id="rId2"/>
+              </a:rPr>
+              <a:t>edwardkwartler@fas.Harvard.edu</a:t>
+            </a:r>
+            <a:endParaRPr lang="en-US" dirty="0"/>
+          </a:p>
+          <a:p>
+            <a:pPr marL="1200150" lvl="2" indent="-285750">
+              <a:buFont typeface="Arial" panose="020B0604020202020204" pitchFamily="34" charset="0"/>
+              <a:buChar char="•"/>
+            </a:pPr>
+            <a:r>
+              <a:rPr lang="en-US" i="1" dirty="0"/>
+              <a:t>I will not chase down assignments, don’t be late or forget!</a:t>
+            </a:r>
+          </a:p>
+          <a:p>
+            <a:pPr marL="1200150" lvl="2" indent="-285750">
+              <a:buFont typeface="Arial" panose="020B0604020202020204" pitchFamily="34" charset="0"/>
+              <a:buChar char="•"/>
+            </a:pPr>
+            <a:r>
+              <a:rPr lang="en-US" i="1" dirty="0"/>
+              <a:t>Due before class</a:t>
             </a:r>
           </a:p>
           <a:p>
@@ -20495,7 +20539,7 @@
           <a:p>
             <a:fld id="{6700A58B-DD98-43D0-B791-721480A02982}" type="datetime1">
               <a:rPr lang="en-US" smtClean="0"/>
-              <a:t>12/17/20</a:t>
+              <a:t>6/10/21</a:t>
             </a:fld>
             <a:endParaRPr lang="en-US"/>
           </a:p>
@@ -21562,7 +21606,7 @@
             <a:fld id="{6700A58B-DD98-43D0-B791-721480A02982}" type="datetime1">
               <a:rPr lang="en-US" smtClean="0"/>
               <a:pPr/>
-              <a:t>12/17/20</a:t>
+              <a:t>6/10/21</a:t>
             </a:fld>
             <a:endParaRPr lang="en-US"/>
           </a:p>
@@ -23643,7 +23687,7 @@
             <a:fld id="{6700A58B-DD98-43D0-B791-721480A02982}" type="datetime1">
               <a:rPr lang="en-US" smtClean="0"/>
               <a:pPr/>
-              <a:t>12/17/20</a:t>
+              <a:t>6/10/21</a:t>
             </a:fld>
             <a:endParaRPr lang="en-US"/>
           </a:p>
@@ -26347,7 +26391,7 @@
             <a:fld id="{6700A58B-DD98-43D0-B791-721480A02982}" type="datetime1">
               <a:rPr lang="en-US" smtClean="0"/>
               <a:pPr/>
-              <a:t>12/17/20</a:t>
+              <a:t>6/10/21</a:t>
             </a:fld>
             <a:endParaRPr lang="en-US"/>
           </a:p>
@@ -27478,7 +27522,7 @@
             <a:fld id="{6700A58B-DD98-43D0-B791-721480A02982}" type="datetime1">
               <a:rPr lang="en-US" smtClean="0"/>
               <a:pPr/>
-              <a:t>12/17/20</a:t>
+              <a:t>6/10/21</a:t>
             </a:fld>
             <a:endParaRPr lang="en-US"/>
           </a:p>
@@ -28748,7 +28792,7 @@
             <a:fld id="{6700A58B-DD98-43D0-B791-721480A02982}" type="datetime1">
               <a:rPr lang="en-US" smtClean="0"/>
               <a:pPr/>
-              <a:t>12/17/20</a:t>
+              <a:t>6/10/21</a:t>
             </a:fld>
             <a:endParaRPr lang="en-US"/>
           </a:p>
@@ -29535,7 +29579,7 @@
           <a:p>
             <a:fld id="{6700A58B-DD98-43D0-B791-721480A02982}" type="datetime1">
               <a:rPr lang="en-US" smtClean="0"/>
-              <a:t>12/17/20</a:t>
+              <a:t>6/10/21</a:t>
             </a:fld>
             <a:endParaRPr lang="en-US"/>
           </a:p>

--- a/student_lessons/A_Setup_Intro_Basics/Day1_live_C.pptx
+++ b/student_lessons/A_Setup_Intro_Basics/Day1_live_C.pptx
@@ -234,7 +234,7 @@
           <a:p>
             <a:fld id="{B0C0A60C-850A-4EA4-9C14-A8FE98B94505}" type="datetimeFigureOut">
               <a:rPr lang="en-US" smtClean="0"/>
-              <a:t>6/10/21</a:t>
+              <a:t>1/9/22</a:t>
             </a:fld>
             <a:endParaRPr lang="en-US"/>
           </a:p>
@@ -633,7 +633,7 @@
           <a:p>
             <a:fld id="{5738B90E-0779-4C36-915C-6F05FCD89456}" type="datetime1">
               <a:rPr lang="en-US" smtClean="0"/>
-              <a:t>6/10/21</a:t>
+              <a:t>1/9/22</a:t>
             </a:fld>
             <a:endParaRPr lang="en-US"/>
           </a:p>
@@ -813,7 +813,7 @@
           <a:p>
             <a:fld id="{7B9EA29D-D431-42FE-B7B6-AAE4454C77D3}" type="datetime1">
               <a:rPr lang="en-US" smtClean="0"/>
-              <a:t>6/10/21</a:t>
+              <a:t>1/9/22</a:t>
             </a:fld>
             <a:endParaRPr lang="en-US"/>
           </a:p>
@@ -1070,7 +1070,7 @@
           <a:p>
             <a:fld id="{690D8A1E-EA8F-46C1-B891-AE0C00D9C314}" type="datetime1">
               <a:rPr lang="en-US" smtClean="0"/>
-              <a:t>6/10/21</a:t>
+              <a:t>1/9/22</a:t>
             </a:fld>
             <a:endParaRPr lang="en-US"/>
           </a:p>
@@ -1361,7 +1361,7 @@
           <a:p>
             <a:fld id="{D753EFC8-4232-4598-94F6-94C0EBAFC469}" type="datetime1">
               <a:rPr lang="en-US" smtClean="0"/>
-              <a:t>6/10/21</a:t>
+              <a:t>1/9/22</a:t>
             </a:fld>
             <a:endParaRPr lang="en-US"/>
           </a:p>
@@ -1673,7 +1673,7 @@
           <a:p>
             <a:fld id="{F3161074-1C18-4AE7-957D-F18524378C85}" type="datetime1">
               <a:rPr lang="en-US" smtClean="0"/>
-              <a:t>6/10/21</a:t>
+              <a:t>1/9/22</a:t>
             </a:fld>
             <a:endParaRPr lang="en-US"/>
           </a:p>
@@ -1909,7 +1909,7 @@
           <a:p>
             <a:fld id="{69BE256C-8D9A-4404-B47D-41A1AE514425}" type="datetime1">
               <a:rPr lang="en-US" smtClean="0"/>
-              <a:t>6/10/21</a:t>
+              <a:t>1/9/22</a:t>
             </a:fld>
             <a:endParaRPr lang="en-US"/>
           </a:p>
@@ -2340,7 +2340,7 @@
           <a:p>
             <a:fld id="{66CB2154-9035-4012-8189-BAAB61C5A5EE}" type="datetime1">
               <a:rPr lang="en-US" smtClean="0"/>
-              <a:t>6/10/21</a:t>
+              <a:t>1/9/22</a:t>
             </a:fld>
             <a:endParaRPr lang="en-US"/>
           </a:p>
@@ -2511,7 +2511,7 @@
           <a:p>
             <a:fld id="{6700A58B-DD98-43D0-B791-721480A02982}" type="datetime1">
               <a:rPr lang="en-US" smtClean="0"/>
-              <a:t>6/10/21</a:t>
+              <a:t>1/9/22</a:t>
             </a:fld>
             <a:endParaRPr lang="en-US"/>
           </a:p>
@@ -2700,7 +2700,7 @@
           <a:p>
             <a:fld id="{7DB6E382-4F61-4E24-BE1A-377EC83D0E3A}" type="datetime1">
               <a:rPr lang="en-US" smtClean="0"/>
-              <a:t>6/10/21</a:t>
+              <a:t>1/9/22</a:t>
             </a:fld>
             <a:endParaRPr lang="en-US"/>
           </a:p>
@@ -3008,7 +3008,7 @@
           <a:p>
             <a:fld id="{4142EED6-FC16-45B9-B8C4-2BC5DBA88325}" type="datetime1">
               <a:rPr lang="en-US" smtClean="0"/>
-              <a:t>6/10/21</a:t>
+              <a:t>1/9/22</a:t>
             </a:fld>
             <a:endParaRPr lang="en-US"/>
           </a:p>
@@ -3323,7 +3323,7 @@
           <a:p>
             <a:fld id="{DF59512B-4F1D-43D7-8819-2F53FEF69650}" type="datetime1">
               <a:rPr lang="en-US" smtClean="0"/>
-              <a:t>6/10/21</a:t>
+              <a:t>1/9/22</a:t>
             </a:fld>
             <a:endParaRPr lang="en-US"/>
           </a:p>
@@ -3596,7 +3596,7 @@
           <a:p>
             <a:fld id="{08437B94-E2BF-44DC-ADC5-B05FC9934E9D}" type="datetime1">
               <a:rPr lang="en-US" smtClean="0"/>
-              <a:t>6/10/21</a:t>
+              <a:t>1/9/22</a:t>
             </a:fld>
             <a:endParaRPr lang="en-US"/>
           </a:p>
@@ -4068,7 +4068,7 @@
           <a:p>
             <a:fld id="{6700A58B-DD98-43D0-B791-721480A02982}" type="datetime1">
               <a:rPr lang="en-US" smtClean="0"/>
-              <a:t>6/10/21</a:t>
+              <a:t>1/9/22</a:t>
             </a:fld>
             <a:endParaRPr lang="en-US"/>
           </a:p>
@@ -4343,7 +4343,7 @@
           <a:p>
             <a:fld id="{6700A58B-DD98-43D0-B791-721480A02982}" type="datetime1">
               <a:rPr lang="en-US" smtClean="0"/>
-              <a:t>6/10/21</a:t>
+              <a:t>1/9/22</a:t>
             </a:fld>
             <a:endParaRPr lang="en-US"/>
           </a:p>
@@ -5066,7 +5066,7 @@
           <a:p>
             <a:fld id="{6700A58B-DD98-43D0-B791-721480A02982}" type="datetime1">
               <a:rPr lang="en-US" smtClean="0"/>
-              <a:t>6/10/21</a:t>
+              <a:t>1/9/22</a:t>
             </a:fld>
             <a:endParaRPr lang="en-US"/>
           </a:p>
@@ -5920,7 +5920,7 @@
           <a:p>
             <a:fld id="{7DB6E382-4F61-4E24-BE1A-377EC83D0E3A}" type="datetime1">
               <a:rPr lang="en-US" smtClean="0"/>
-              <a:t>6/10/21</a:t>
+              <a:t>1/9/22</a:t>
             </a:fld>
             <a:endParaRPr lang="en-US"/>
           </a:p>
@@ -6526,7 +6526,7 @@
           <a:p>
             <a:fld id="{6700A58B-DD98-43D0-B791-721480A02982}" type="datetime1">
               <a:rPr lang="en-US" smtClean="0"/>
-              <a:t>6/10/21</a:t>
+              <a:t>1/9/22</a:t>
             </a:fld>
             <a:endParaRPr lang="en-US"/>
           </a:p>
@@ -6928,7 +6928,7 @@
           <a:p>
             <a:fld id="{6700A58B-DD98-43D0-B791-721480A02982}" type="datetime1">
               <a:rPr lang="en-US" smtClean="0"/>
-              <a:t>6/10/21</a:t>
+              <a:t>1/9/22</a:t>
             </a:fld>
             <a:endParaRPr lang="en-US"/>
           </a:p>
@@ -7550,7 +7550,7 @@
           <a:p>
             <a:fld id="{6700A58B-DD98-43D0-B791-721480A02982}" type="datetime1">
               <a:rPr lang="en-US" smtClean="0"/>
-              <a:t>6/10/21</a:t>
+              <a:t>1/9/22</a:t>
             </a:fld>
             <a:endParaRPr lang="en-US"/>
           </a:p>
@@ -9012,7 +9012,7 @@
           <a:p>
             <a:fld id="{6700A58B-DD98-43D0-B791-721480A02982}" type="datetime1">
               <a:rPr lang="en-US" smtClean="0"/>
-              <a:t>6/10/21</a:t>
+              <a:t>1/9/22</a:t>
             </a:fld>
             <a:endParaRPr lang="en-US"/>
           </a:p>
@@ -11940,7 +11940,7 @@
           <a:p>
             <a:fld id="{6700A58B-DD98-43D0-B791-721480A02982}" type="datetime1">
               <a:rPr lang="en-US" smtClean="0"/>
-              <a:t>6/10/21</a:t>
+              <a:t>1/9/22</a:t>
             </a:fld>
             <a:endParaRPr lang="en-US"/>
           </a:p>
@@ -13573,7 +13573,7 @@
           <a:p>
             <a:fld id="{6700A58B-DD98-43D0-B791-721480A02982}" type="datetime1">
               <a:rPr lang="en-US" smtClean="0"/>
-              <a:t>6/10/21</a:t>
+              <a:t>1/9/22</a:t>
             </a:fld>
             <a:endParaRPr lang="en-US"/>
           </a:p>
@@ -16939,7 +16939,7 @@
           <a:p>
             <a:fld id="{6700A58B-DD98-43D0-B791-721480A02982}" type="datetime1">
               <a:rPr lang="en-US" smtClean="0"/>
-              <a:t>6/10/21</a:t>
+              <a:t>1/9/22</a:t>
             </a:fld>
             <a:endParaRPr lang="en-US"/>
           </a:p>
@@ -18931,7 +18931,7 @@
           <a:p>
             <a:fld id="{6700A58B-DD98-43D0-B791-721480A02982}" type="datetime1">
               <a:rPr lang="en-US" smtClean="0"/>
-              <a:t>6/10/21</a:t>
+              <a:t>1/9/22</a:t>
             </a:fld>
             <a:endParaRPr lang="en-US"/>
           </a:p>
@@ -19790,7 +19790,7 @@
           <a:p>
             <a:fld id="{6700A58B-DD98-43D0-B791-721480A02982}" type="datetime1">
               <a:rPr lang="en-US" smtClean="0"/>
-              <a:t>6/10/21</a:t>
+              <a:t>1/9/22</a:t>
             </a:fld>
             <a:endParaRPr lang="en-US"/>
           </a:p>
@@ -20230,7 +20230,7 @@
           <a:p>
             <a:fld id="{6700A58B-DD98-43D0-B791-721480A02982}" type="datetime1">
               <a:rPr lang="en-US" smtClean="0"/>
-              <a:t>6/10/21</a:t>
+              <a:t>1/9/22</a:t>
             </a:fld>
             <a:endParaRPr lang="en-US"/>
           </a:p>
@@ -20539,7 +20539,7 @@
           <a:p>
             <a:fld id="{6700A58B-DD98-43D0-B791-721480A02982}" type="datetime1">
               <a:rPr lang="en-US" smtClean="0"/>
-              <a:t>6/10/21</a:t>
+              <a:t>1/9/22</a:t>
             </a:fld>
             <a:endParaRPr lang="en-US"/>
           </a:p>
@@ -21606,7 +21606,7 @@
             <a:fld id="{6700A58B-DD98-43D0-B791-721480A02982}" type="datetime1">
               <a:rPr lang="en-US" smtClean="0"/>
               <a:pPr/>
-              <a:t>6/10/21</a:t>
+              <a:t>1/9/22</a:t>
             </a:fld>
             <a:endParaRPr lang="en-US"/>
           </a:p>
@@ -23687,7 +23687,7 @@
             <a:fld id="{6700A58B-DD98-43D0-B791-721480A02982}" type="datetime1">
               <a:rPr lang="en-US" smtClean="0"/>
               <a:pPr/>
-              <a:t>6/10/21</a:t>
+              <a:t>1/9/22</a:t>
             </a:fld>
             <a:endParaRPr lang="en-US"/>
           </a:p>
@@ -25577,8 +25577,8 @@
         </p:nvSpPr>
         <p:spPr>
           <a:xfrm>
-            <a:off x="3239256" y="1909482"/>
-            <a:ext cx="1745285" cy="523220"/>
+            <a:off x="3348806" y="1909482"/>
+            <a:ext cx="1526187" cy="523220"/>
           </a:xfrm>
           <a:prstGeom prst="rect">
             <a:avLst/>
@@ -25601,7 +25601,7 @@
             <a:pPr algn="ctr"/>
             <a:r>
               <a:rPr lang="en-US" sz="1400" dirty="0"/>
-              <a:t>Comparative Analysis</a:t>
+              <a:t>Collective Analysis</a:t>
             </a:r>
           </a:p>
         </p:txBody>
@@ -26391,7 +26391,7 @@
             <a:fld id="{6700A58B-DD98-43D0-B791-721480A02982}" type="datetime1">
               <a:rPr lang="en-US" smtClean="0"/>
               <a:pPr/>
-              <a:t>6/10/21</a:t>
+              <a:t>1/9/22</a:t>
             </a:fld>
             <a:endParaRPr lang="en-US"/>
           </a:p>
@@ -27522,7 +27522,7 @@
             <a:fld id="{6700A58B-DD98-43D0-B791-721480A02982}" type="datetime1">
               <a:rPr lang="en-US" smtClean="0"/>
               <a:pPr/>
-              <a:t>6/10/21</a:t>
+              <a:t>1/9/22</a:t>
             </a:fld>
             <a:endParaRPr lang="en-US"/>
           </a:p>
@@ -28792,7 +28792,7 @@
             <a:fld id="{6700A58B-DD98-43D0-B791-721480A02982}" type="datetime1">
               <a:rPr lang="en-US" smtClean="0"/>
               <a:pPr/>
-              <a:t>6/10/21</a:t>
+              <a:t>1/9/22</a:t>
             </a:fld>
             <a:endParaRPr lang="en-US"/>
           </a:p>
@@ -29579,7 +29579,7 @@
           <a:p>
             <a:fld id="{6700A58B-DD98-43D0-B791-721480A02982}" type="datetime1">
               <a:rPr lang="en-US" smtClean="0"/>
-              <a:t>6/10/21</a:t>
+              <a:t>1/9/22</a:t>
             </a:fld>
             <a:endParaRPr lang="en-US"/>
           </a:p>
